--- a/doc/XXL-SSO架构图.pptx
+++ b/doc/XXL-SSO架构图.pptx
@@ -197,7 +197,7 @@
           <a:p>
             <a:fld id="{D2A48B96-639E-45A3-A0BA-2464DFDB1FAA}" type="datetimeFigureOut">
               <a:rPr lang="zh-CN" altLang="en-US" smtClean="0"/>
-              <a:t>18/4/4</a:t>
+              <a:t>18/4/17</a:t>
             </a:fld>
             <a:endParaRPr lang="zh-CN" altLang="en-US"/>
           </a:p>
@@ -680,7 +680,7 @@
           <a:p>
             <a:fld id="{D997B5FA-0921-464F-AAE1-844C04324D75}" type="datetimeFigureOut">
               <a:rPr lang="zh-CN" altLang="en-US" smtClean="0"/>
-              <a:t>18/4/4</a:t>
+              <a:t>18/4/17</a:t>
             </a:fld>
             <a:endParaRPr lang="zh-CN" altLang="en-US"/>
           </a:p>
@@ -845,7 +845,7 @@
           <a:p>
             <a:fld id="{D997B5FA-0921-464F-AAE1-844C04324D75}" type="datetimeFigureOut">
               <a:rPr lang="zh-CN" altLang="en-US" smtClean="0"/>
-              <a:t>18/4/4</a:t>
+              <a:t>18/4/17</a:t>
             </a:fld>
             <a:endParaRPr lang="zh-CN" altLang="en-US"/>
           </a:p>
@@ -1020,7 +1020,7 @@
           <a:p>
             <a:fld id="{D997B5FA-0921-464F-AAE1-844C04324D75}" type="datetimeFigureOut">
               <a:rPr lang="zh-CN" altLang="en-US" smtClean="0"/>
-              <a:t>18/4/4</a:t>
+              <a:t>18/4/17</a:t>
             </a:fld>
             <a:endParaRPr lang="zh-CN" altLang="en-US"/>
           </a:p>
@@ -1185,7 +1185,7 @@
           <a:p>
             <a:fld id="{D997B5FA-0921-464F-AAE1-844C04324D75}" type="datetimeFigureOut">
               <a:rPr lang="zh-CN" altLang="en-US" smtClean="0"/>
-              <a:t>18/4/4</a:t>
+              <a:t>18/4/17</a:t>
             </a:fld>
             <a:endParaRPr lang="zh-CN" altLang="en-US"/>
           </a:p>
@@ -1426,7 +1426,7 @@
           <a:p>
             <a:fld id="{D997B5FA-0921-464F-AAE1-844C04324D75}" type="datetimeFigureOut">
               <a:rPr lang="zh-CN" altLang="en-US" smtClean="0"/>
-              <a:t>18/4/4</a:t>
+              <a:t>18/4/17</a:t>
             </a:fld>
             <a:endParaRPr lang="zh-CN" altLang="en-US"/>
           </a:p>
@@ -1653,7 +1653,7 @@
           <a:p>
             <a:fld id="{D997B5FA-0921-464F-AAE1-844C04324D75}" type="datetimeFigureOut">
               <a:rPr lang="zh-CN" altLang="en-US" smtClean="0"/>
-              <a:t>18/4/4</a:t>
+              <a:t>18/4/17</a:t>
             </a:fld>
             <a:endParaRPr lang="zh-CN" altLang="en-US"/>
           </a:p>
@@ -2015,7 +2015,7 @@
           <a:p>
             <a:fld id="{D997B5FA-0921-464F-AAE1-844C04324D75}" type="datetimeFigureOut">
               <a:rPr lang="zh-CN" altLang="en-US" smtClean="0"/>
-              <a:t>18/4/4</a:t>
+              <a:t>18/4/17</a:t>
             </a:fld>
             <a:endParaRPr lang="zh-CN" altLang="en-US"/>
           </a:p>
@@ -2128,7 +2128,7 @@
           <a:p>
             <a:fld id="{D997B5FA-0921-464F-AAE1-844C04324D75}" type="datetimeFigureOut">
               <a:rPr lang="zh-CN" altLang="en-US" smtClean="0"/>
-              <a:t>18/4/4</a:t>
+              <a:t>18/4/17</a:t>
             </a:fld>
             <a:endParaRPr lang="zh-CN" altLang="en-US"/>
           </a:p>
@@ -2218,7 +2218,7 @@
           <a:p>
             <a:fld id="{D997B5FA-0921-464F-AAE1-844C04324D75}" type="datetimeFigureOut">
               <a:rPr lang="zh-CN" altLang="en-US" smtClean="0"/>
-              <a:t>18/4/4</a:t>
+              <a:t>18/4/17</a:t>
             </a:fld>
             <a:endParaRPr lang="zh-CN" altLang="en-US"/>
           </a:p>
@@ -2490,7 +2490,7 @@
           <a:p>
             <a:fld id="{D997B5FA-0921-464F-AAE1-844C04324D75}" type="datetimeFigureOut">
               <a:rPr lang="zh-CN" altLang="en-US" smtClean="0"/>
-              <a:t>18/4/4</a:t>
+              <a:t>18/4/17</a:t>
             </a:fld>
             <a:endParaRPr lang="zh-CN" altLang="en-US"/>
           </a:p>
@@ -2738,7 +2738,7 @@
           <a:p>
             <a:fld id="{D997B5FA-0921-464F-AAE1-844C04324D75}" type="datetimeFigureOut">
               <a:rPr lang="zh-CN" altLang="en-US" smtClean="0"/>
-              <a:t>18/4/4</a:t>
+              <a:t>18/4/17</a:t>
             </a:fld>
             <a:endParaRPr lang="zh-CN" altLang="en-US"/>
           </a:p>
@@ -2946,7 +2946,7 @@
           <a:p>
             <a:fld id="{D997B5FA-0921-464F-AAE1-844C04324D75}" type="datetimeFigureOut">
               <a:rPr lang="zh-CN" altLang="en-US" smtClean="0"/>
-              <a:t>18/4/4</a:t>
+              <a:t>18/4/17</a:t>
             </a:fld>
             <a:endParaRPr lang="zh-CN" altLang="en-US"/>
           </a:p>
@@ -4100,7 +4100,7 @@
         <p:spPr>
           <a:xfrm>
             <a:off x="4231941" y="2428872"/>
-            <a:ext cx="1970861" cy="276999"/>
+            <a:ext cx="1914755" cy="276999"/>
           </a:xfrm>
           <a:prstGeom prst="rect">
             <a:avLst/>
@@ -4143,7 +4143,7 @@
                 <a:ea typeface="Microsoft YaHei" charset="0"/>
                 <a:cs typeface="Microsoft YaHei" charset="0"/>
               </a:rPr>
-              <a:t>logon</a:t>
+              <a:t>login</a:t>
             </a:r>
             <a:r>
               <a:rPr kumimoji="1" lang="zh-CN" altLang="en-US" sz="1200" dirty="0" smtClean="0">
